--- a/Präsentationen/Informationen zur Modeling Guideline_20190925_QM.pptx
+++ b/Präsentationen/Informationen zur Modeling Guideline_20190925_QM.pptx
@@ -289,7 +289,7 @@
           <a:p>
             <a:fld id="{B2255D82-92B1-4EBA-AF01-9D30101EF318}" type="datetimeFigureOut">
               <a:rPr lang="de-DE" smtClean="0"/>
-              <a:t>28.05.20</a:t>
+              <a:t>28.05.2020</a:t>
             </a:fld>
             <a:endParaRPr lang="de-DE"/>
           </a:p>
@@ -3762,7 +3762,7 @@
           <a:graphicData uri="http://schemas.openxmlformats.org/presentationml/2006/ole">
             <mc:AlternateContent xmlns:mc="http://schemas.openxmlformats.org/markup-compatibility/2006">
               <mc:Choice xmlns:v="urn:schemas-microsoft-com:vml" Requires="v">
-                <p:oleObj spid="_x0000_s11326" name="think-cell Folie" r:id="rId4" imgW="270" imgH="270" progId="TCLayout.ActiveDocument.1">
+                <p:oleObj spid="_x0000_s11328" name="think-cell Folie" r:id="rId4" imgW="270" imgH="270" progId="TCLayout.ActiveDocument.1">
                   <p:embed/>
                 </p:oleObj>
               </mc:Choice>
@@ -6490,7 +6490,7 @@
           <a:graphicData uri="http://schemas.openxmlformats.org/presentationml/2006/ole">
             <mc:AlternateContent xmlns:mc="http://schemas.openxmlformats.org/markup-compatibility/2006">
               <mc:Choice xmlns:v="urn:schemas-microsoft-com:vml" Requires="v">
-                <p:oleObj spid="_x0000_s12350" name="think-cell Folie" r:id="rId4" imgW="270" imgH="270" progId="TCLayout.ActiveDocument.1">
+                <p:oleObj spid="_x0000_s12352" name="think-cell Folie" r:id="rId4" imgW="270" imgH="270" progId="TCLayout.ActiveDocument.1">
                   <p:embed/>
                 </p:oleObj>
               </mc:Choice>
@@ -9484,45 +9484,60 @@
           <a:chExt cx="0" cy="0"/>
         </a:xfrm>
       </p:grpSpPr>
-      <p:sp>
-        <p:nvSpPr>
-          <p:cNvPr id="4" name="Inhaltsplatzhalter 3"/>
-          <p:cNvSpPr>
-            <a:spLocks noGrp="1"/>
-          </p:cNvSpPr>
+      <p:pic>
+        <p:nvPicPr>
+          <p:cNvPr id="5" name="Inhaltsplatzhalter 4" descr="Ein Bild, das Person, Gebäude, draußen, Mann enthält.&#10;&#10;Automatisch generierte Beschreibung">
+            <a:extLst>
+              <a:ext uri="{FF2B5EF4-FFF2-40B4-BE49-F238E27FC236}">
+                <a16:creationId xmlns:a16="http://schemas.microsoft.com/office/drawing/2014/main" id="{41F0125B-FB27-4F80-A94B-919EC4563566}"/>
+              </a:ext>
+            </a:extLst>
+          </p:cNvPr>
+          <p:cNvPicPr>
+            <a:picLocks noGrp="1" noChangeAspect="1"/>
+          </p:cNvPicPr>
           <p:nvPr>
             <p:ph sz="quarter" idx="13"/>
           </p:nvPr>
-        </p:nvSpPr>
-        <p:spPr>
-          <a:xfrm>
-            <a:off x="360000" y="884238"/>
-            <a:ext cx="11469600" cy="5473019"/>
-          </a:xfrm>
-        </p:spPr>
+        </p:nvPicPr>
+        <p:blipFill>
+          <a:blip r:embed="rId2">
+            <a:extLst>
+              <a:ext uri="{28A0092B-C50C-407E-A947-70E740481C1C}">
+                <a14:useLocalDpi xmlns:a14="http://schemas.microsoft.com/office/drawing/2010/main" val="0"/>
+              </a:ext>
+            </a:extLst>
+          </a:blip>
+          <a:stretch>
+            <a:fillRect/>
+          </a:stretch>
+        </p:blipFill>
+        <p:spPr>
+          <a:xfrm>
+            <a:off x="5939484" y="938320"/>
+            <a:ext cx="5599469" cy="5473700"/>
+          </a:xfrm>
+        </p:spPr>
+      </p:pic>
+      <p:sp>
+        <p:nvSpPr>
+          <p:cNvPr id="2" name="Titel 1"/>
+          <p:cNvSpPr>
+            <a:spLocks noGrp="1"/>
+          </p:cNvSpPr>
+          <p:nvPr>
+            <p:ph type="title"/>
+          </p:nvPr>
+        </p:nvSpPr>
+        <p:spPr/>
         <p:txBody>
           <a:bodyPr/>
           <a:lstStyle/>
           <a:p>
-            <a:endParaRPr lang="de-DE" dirty="0"/>
-          </a:p>
-        </p:txBody>
-      </p:sp>
-      <p:sp>
-        <p:nvSpPr>
-          <p:cNvPr id="2" name="Titel 1"/>
-          <p:cNvSpPr>
-            <a:spLocks noGrp="1"/>
-          </p:cNvSpPr>
-          <p:nvPr>
-            <p:ph type="title"/>
-          </p:nvPr>
-        </p:nvSpPr>
-        <p:spPr/>
-        <p:txBody>
-          <a:bodyPr/>
-          <a:lstStyle/>
-          <a:p>
+            <a:r>
+              <a:rPr lang="de-DE"/>
+              <a:t>Personenerkennung</a:t>
+            </a:r>
             <a:endParaRPr lang="de-DE" dirty="0"/>
           </a:p>
         </p:txBody>
@@ -9596,6 +9611,445 @@
           </a:p>
         </p:txBody>
       </p:sp>
+      <p:sp>
+        <p:nvSpPr>
+          <p:cNvPr id="8" name="Rechteck 7">
+            <a:extLst>
+              <a:ext uri="{FF2B5EF4-FFF2-40B4-BE49-F238E27FC236}">
+                <a16:creationId xmlns:a16="http://schemas.microsoft.com/office/drawing/2014/main" id="{00E41AC7-8E05-4F3D-B90D-C2B506A33532}"/>
+              </a:ext>
+            </a:extLst>
+          </p:cNvPr>
+          <p:cNvSpPr/>
+          <p:nvPr/>
+        </p:nvSpPr>
+        <p:spPr>
+          <a:xfrm>
+            <a:off x="6993590" y="1129120"/>
+            <a:ext cx="1589906" cy="5282900"/>
+          </a:xfrm>
+          <a:prstGeom prst="rect">
+            <a:avLst/>
+          </a:prstGeom>
+          <a:noFill/>
+          <a:ln w="57150">
+            <a:solidFill>
+              <a:schemeClr val="accent5">
+                <a:lumMod val="60000"/>
+                <a:lumOff val="40000"/>
+              </a:schemeClr>
+            </a:solidFill>
+          </a:ln>
+        </p:spPr>
+        <p:style>
+          <a:lnRef idx="2">
+            <a:schemeClr val="accent1">
+              <a:shade val="50000"/>
+            </a:schemeClr>
+          </a:lnRef>
+          <a:fillRef idx="1">
+            <a:schemeClr val="accent1"/>
+          </a:fillRef>
+          <a:effectRef idx="0">
+            <a:schemeClr val="accent1"/>
+          </a:effectRef>
+          <a:fontRef idx="minor">
+            <a:schemeClr val="lt1"/>
+          </a:fontRef>
+        </p:style>
+        <p:txBody>
+          <a:bodyPr rtlCol="0" anchor="ctr"/>
+          <a:lstStyle/>
+          <a:p>
+            <a:pPr algn="ctr"/>
+            <a:endParaRPr lang="de-DE"/>
+          </a:p>
+        </p:txBody>
+      </p:sp>
+      <p:sp>
+        <p:nvSpPr>
+          <p:cNvPr id="10" name="Rechteck 9">
+            <a:extLst>
+              <a:ext uri="{FF2B5EF4-FFF2-40B4-BE49-F238E27FC236}">
+                <a16:creationId xmlns:a16="http://schemas.microsoft.com/office/drawing/2014/main" id="{A1CD9145-EED6-4021-BD1D-E5A6453162DC}"/>
+              </a:ext>
+            </a:extLst>
+          </p:cNvPr>
+          <p:cNvSpPr/>
+          <p:nvPr/>
+        </p:nvSpPr>
+        <p:spPr>
+          <a:xfrm>
+            <a:off x="8896530" y="1048007"/>
+            <a:ext cx="1729947" cy="5282900"/>
+          </a:xfrm>
+          <a:prstGeom prst="rect">
+            <a:avLst/>
+          </a:prstGeom>
+          <a:noFill/>
+          <a:ln w="57150">
+            <a:solidFill>
+              <a:schemeClr val="accent5">
+                <a:lumMod val="60000"/>
+                <a:lumOff val="40000"/>
+              </a:schemeClr>
+            </a:solidFill>
+          </a:ln>
+        </p:spPr>
+        <p:style>
+          <a:lnRef idx="2">
+            <a:schemeClr val="accent1">
+              <a:shade val="50000"/>
+            </a:schemeClr>
+          </a:lnRef>
+          <a:fillRef idx="1">
+            <a:schemeClr val="accent1"/>
+          </a:fillRef>
+          <a:effectRef idx="0">
+            <a:schemeClr val="accent1"/>
+          </a:effectRef>
+          <a:fontRef idx="minor">
+            <a:schemeClr val="lt1"/>
+          </a:fontRef>
+        </p:style>
+        <p:txBody>
+          <a:bodyPr rtlCol="0" anchor="ctr"/>
+          <a:lstStyle/>
+          <a:p>
+            <a:pPr algn="ctr"/>
+            <a:endParaRPr lang="de-DE"/>
+          </a:p>
+        </p:txBody>
+      </p:sp>
+      <p:sp>
+        <p:nvSpPr>
+          <p:cNvPr id="11" name="Rechteck 10">
+            <a:extLst>
+              <a:ext uri="{FF2B5EF4-FFF2-40B4-BE49-F238E27FC236}">
+                <a16:creationId xmlns:a16="http://schemas.microsoft.com/office/drawing/2014/main" id="{8563A84D-5AA7-4D6E-B24E-C07268E6C81F}"/>
+              </a:ext>
+            </a:extLst>
+          </p:cNvPr>
+          <p:cNvSpPr/>
+          <p:nvPr/>
+        </p:nvSpPr>
+        <p:spPr>
+          <a:xfrm>
+            <a:off x="7191298" y="1281520"/>
+            <a:ext cx="1186249" cy="1046205"/>
+          </a:xfrm>
+          <a:prstGeom prst="rect">
+            <a:avLst/>
+          </a:prstGeom>
+          <a:noFill/>
+          <a:ln w="57150">
+            <a:solidFill>
+              <a:srgbClr val="FF0000"/>
+            </a:solidFill>
+          </a:ln>
+        </p:spPr>
+        <p:style>
+          <a:lnRef idx="2">
+            <a:schemeClr val="accent1">
+              <a:shade val="50000"/>
+            </a:schemeClr>
+          </a:lnRef>
+          <a:fillRef idx="1">
+            <a:schemeClr val="accent1"/>
+          </a:fillRef>
+          <a:effectRef idx="0">
+            <a:schemeClr val="accent1"/>
+          </a:effectRef>
+          <a:fontRef idx="minor">
+            <a:schemeClr val="lt1"/>
+          </a:fontRef>
+        </p:style>
+        <p:txBody>
+          <a:bodyPr rtlCol="0" anchor="ctr"/>
+          <a:lstStyle/>
+          <a:p>
+            <a:pPr algn="ctr"/>
+            <a:endParaRPr lang="de-DE"/>
+          </a:p>
+        </p:txBody>
+      </p:sp>
+      <p:sp>
+        <p:nvSpPr>
+          <p:cNvPr id="12" name="Rechteck 11">
+            <a:extLst>
+              <a:ext uri="{FF2B5EF4-FFF2-40B4-BE49-F238E27FC236}">
+                <a16:creationId xmlns:a16="http://schemas.microsoft.com/office/drawing/2014/main" id="{EBAB331B-06C4-44A8-B7EF-D1D68511FD75}"/>
+              </a:ext>
+            </a:extLst>
+          </p:cNvPr>
+          <p:cNvSpPr/>
+          <p:nvPr/>
+        </p:nvSpPr>
+        <p:spPr>
+          <a:xfrm>
+            <a:off x="9124168" y="1281520"/>
+            <a:ext cx="1305698" cy="980303"/>
+          </a:xfrm>
+          <a:prstGeom prst="rect">
+            <a:avLst/>
+          </a:prstGeom>
+          <a:noFill/>
+          <a:ln w="57150">
+            <a:solidFill>
+              <a:srgbClr val="FF0000"/>
+            </a:solidFill>
+          </a:ln>
+        </p:spPr>
+        <p:style>
+          <a:lnRef idx="2">
+            <a:schemeClr val="accent1">
+              <a:shade val="50000"/>
+            </a:schemeClr>
+          </a:lnRef>
+          <a:fillRef idx="1">
+            <a:schemeClr val="accent1"/>
+          </a:fillRef>
+          <a:effectRef idx="0">
+            <a:schemeClr val="accent1"/>
+          </a:effectRef>
+          <a:fontRef idx="minor">
+            <a:schemeClr val="lt1"/>
+          </a:fontRef>
+        </p:style>
+        <p:txBody>
+          <a:bodyPr rtlCol="0" anchor="ctr"/>
+          <a:lstStyle/>
+          <a:p>
+            <a:pPr algn="ctr"/>
+            <a:endParaRPr lang="de-DE"/>
+          </a:p>
+        </p:txBody>
+      </p:sp>
+      <p:sp>
+        <p:nvSpPr>
+          <p:cNvPr id="13" name="Textfeld 12">
+            <a:extLst>
+              <a:ext uri="{FF2B5EF4-FFF2-40B4-BE49-F238E27FC236}">
+                <a16:creationId xmlns:a16="http://schemas.microsoft.com/office/drawing/2014/main" id="{F03275DE-A909-410B-87E0-39E1A7F8F79F}"/>
+              </a:ext>
+            </a:extLst>
+          </p:cNvPr>
+          <p:cNvSpPr txBox="1"/>
+          <p:nvPr/>
+        </p:nvSpPr>
+        <p:spPr>
+          <a:xfrm>
+            <a:off x="360000" y="912812"/>
+            <a:ext cx="5266450" cy="5355312"/>
+          </a:xfrm>
+          <a:prstGeom prst="rect">
+            <a:avLst/>
+          </a:prstGeom>
+          <a:noFill/>
+        </p:spPr>
+        <p:txBody>
+          <a:bodyPr wrap="square" rtlCol="0">
+            <a:spAutoFit/>
+          </a:bodyPr>
+          <a:lstStyle/>
+          <a:p>
+            <a:pPr marL="228600" indent="-228600">
+              <a:buFont typeface="+mj-lt"/>
+              <a:buAutoNum type="arabicPeriod"/>
+            </a:pPr>
+            <a:r>
+              <a:rPr lang="de-DE" sz="1800" dirty="0" err="1"/>
+              <a:t>Bboxen</a:t>
+            </a:r>
+            <a:r>
+              <a:rPr lang="de-DE" sz="1800" dirty="0"/>
+              <a:t> der Personen werden erstellt.</a:t>
+            </a:r>
+          </a:p>
+          <a:p>
+            <a:pPr marL="228600" indent="-228600">
+              <a:buFont typeface="+mj-lt"/>
+              <a:buAutoNum type="arabicPeriod"/>
+            </a:pPr>
+            <a:r>
+              <a:rPr lang="de-DE" sz="1800" dirty="0"/>
+              <a:t>Da HOG nicht ausschließlich Personen erkennt wird eine kleine ROI oben in der jeweiligen </a:t>
+            </a:r>
+            <a:r>
+              <a:rPr lang="de-DE" sz="1800" dirty="0" err="1"/>
+              <a:t>Bbox</a:t>
+            </a:r>
+            <a:r>
+              <a:rPr lang="de-DE" sz="1800" dirty="0"/>
+              <a:t> erstellt für die Erfassung des Gesichts.</a:t>
+            </a:r>
+          </a:p>
+          <a:p>
+            <a:pPr marL="228600" indent="-228600">
+              <a:buFont typeface="+mj-lt"/>
+              <a:buAutoNum type="arabicPeriod"/>
+            </a:pPr>
+            <a:r>
+              <a:rPr lang="de-DE" sz="1800" dirty="0"/>
+              <a:t>Sobald ein Gesicht erkannt wurde wird ein Objekt vom Typ Person erstellt.</a:t>
+            </a:r>
+          </a:p>
+          <a:p>
+            <a:pPr marL="228600" indent="-228600">
+              <a:buFont typeface="+mj-lt"/>
+              <a:buAutoNum type="arabicPeriod"/>
+            </a:pPr>
+            <a:r>
+              <a:rPr lang="de-DE" sz="1800" dirty="0"/>
+              <a:t>Anhand abgespeicherter (während Laufzeit oder vorher) Gesichter wird geprüft, ob es diese Person schon gibt.</a:t>
+            </a:r>
+          </a:p>
+          <a:p>
+            <a:pPr marL="228600" indent="-228600">
+              <a:buFont typeface="+mj-lt"/>
+              <a:buAutoNum type="arabicPeriod"/>
+            </a:pPr>
+            <a:r>
+              <a:rPr lang="de-DE" sz="1800" dirty="0"/>
+              <a:t>Wenn nicht, wird eine neue Person erstellt.</a:t>
+            </a:r>
+          </a:p>
+          <a:p>
+            <a:pPr marL="228600" indent="-228600">
+              <a:buFont typeface="+mj-lt"/>
+              <a:buAutoNum type="arabicPeriod"/>
+            </a:pPr>
+            <a:r>
+              <a:rPr lang="de-DE" sz="1800" dirty="0"/>
+              <a:t>Wenn ja, werden die Attribute der jeweiligen Person aktualisiert.</a:t>
+            </a:r>
+          </a:p>
+          <a:p>
+            <a:pPr marL="228600" indent="-228600">
+              <a:buFont typeface="+mj-lt"/>
+              <a:buAutoNum type="arabicPeriod"/>
+            </a:pPr>
+            <a:r>
+              <a:rPr lang="de-DE" sz="1800" dirty="0"/>
+              <a:t>Der Standort der letzten Person wird veröffentlicht.</a:t>
+            </a:r>
+          </a:p>
+          <a:p>
+            <a:pPr marL="228600" indent="-228600">
+              <a:buFont typeface="+mj-lt"/>
+              <a:buAutoNum type="arabicPeriod"/>
+            </a:pPr>
+            <a:endParaRPr lang="de-DE" sz="1800" dirty="0"/>
+          </a:p>
+          <a:p>
+            <a:r>
+              <a:rPr lang="de-DE" sz="1800" dirty="0"/>
+              <a:t>Ein Objekt vom Typ Person hat z.Z. folgende Attribute: </a:t>
+            </a:r>
+            <a:r>
+              <a:rPr lang="de-DE" sz="1800" dirty="0" err="1"/>
+              <a:t>BboxKörper</a:t>
+            </a:r>
+            <a:r>
+              <a:rPr lang="de-DE" sz="1800" dirty="0"/>
+              <a:t>, </a:t>
+            </a:r>
+            <a:r>
+              <a:rPr lang="de-DE" sz="1800" dirty="0" err="1"/>
+              <a:t>Bboxgesicht</a:t>
+            </a:r>
+            <a:r>
+              <a:rPr lang="de-DE" sz="1800" dirty="0"/>
+              <a:t>, Gesicht, Kameraname, Distanz, Liste mit Pixelkoordinaten, Liste mit lokalen Koordinaten</a:t>
+            </a:r>
+          </a:p>
+        </p:txBody>
+      </p:sp>
+      <p:cxnSp>
+        <p:nvCxnSpPr>
+          <p:cNvPr id="15" name="Gerade Verbindung mit Pfeil 14">
+            <a:extLst>
+              <a:ext uri="{FF2B5EF4-FFF2-40B4-BE49-F238E27FC236}">
+                <a16:creationId xmlns:a16="http://schemas.microsoft.com/office/drawing/2014/main" id="{53818407-1896-4E23-B49D-20F024E5C565}"/>
+              </a:ext>
+            </a:extLst>
+          </p:cNvPr>
+          <p:cNvCxnSpPr>
+            <a:cxnSpLocks/>
+          </p:cNvCxnSpPr>
+          <p:nvPr/>
+        </p:nvCxnSpPr>
+        <p:spPr>
+          <a:xfrm>
+            <a:off x="4769708" y="1129120"/>
+            <a:ext cx="2215641" cy="347512"/>
+          </a:xfrm>
+          <a:prstGeom prst="straightConnector1">
+            <a:avLst/>
+          </a:prstGeom>
+          <a:ln w="57150">
+            <a:solidFill>
+              <a:schemeClr val="accent1"/>
+            </a:solidFill>
+            <a:tailEnd type="triangle"/>
+          </a:ln>
+        </p:spPr>
+        <p:style>
+          <a:lnRef idx="1">
+            <a:schemeClr val="accent1"/>
+          </a:lnRef>
+          <a:fillRef idx="0">
+            <a:schemeClr val="accent1"/>
+          </a:fillRef>
+          <a:effectRef idx="0">
+            <a:schemeClr val="accent1"/>
+          </a:effectRef>
+          <a:fontRef idx="minor">
+            <a:schemeClr val="tx1"/>
+          </a:fontRef>
+        </p:style>
+      </p:cxnSp>
+      <p:cxnSp>
+        <p:nvCxnSpPr>
+          <p:cNvPr id="21" name="Gerade Verbindung mit Pfeil 20">
+            <a:extLst>
+              <a:ext uri="{FF2B5EF4-FFF2-40B4-BE49-F238E27FC236}">
+                <a16:creationId xmlns:a16="http://schemas.microsoft.com/office/drawing/2014/main" id="{1457408D-683F-492E-A624-DADD1BE2A53B}"/>
+              </a:ext>
+            </a:extLst>
+          </p:cNvPr>
+          <p:cNvCxnSpPr>
+            <a:cxnSpLocks/>
+          </p:cNvCxnSpPr>
+          <p:nvPr/>
+        </p:nvCxnSpPr>
+        <p:spPr>
+          <a:xfrm>
+            <a:off x="5198411" y="1919952"/>
+            <a:ext cx="1992887" cy="53548"/>
+          </a:xfrm>
+          <a:prstGeom prst="straightConnector1">
+            <a:avLst/>
+          </a:prstGeom>
+          <a:ln w="57150">
+            <a:tailEnd type="triangle"/>
+          </a:ln>
+        </p:spPr>
+        <p:style>
+          <a:lnRef idx="1">
+            <a:schemeClr val="accent1"/>
+          </a:lnRef>
+          <a:fillRef idx="0">
+            <a:schemeClr val="accent1"/>
+          </a:fillRef>
+          <a:effectRef idx="0">
+            <a:schemeClr val="accent1"/>
+          </a:effectRef>
+          <a:fontRef idx="minor">
+            <a:schemeClr val="tx1"/>
+          </a:fontRef>
+        </p:style>
+      </p:cxnSp>
     </p:spTree>
     <p:extLst>
       <p:ext uri="{BB962C8B-B14F-4D97-AF65-F5344CB8AC3E}">
@@ -10189,38 +10643,75 @@
 </file>
 
 <file path=customXml/item1.xml><?xml version="1.0" encoding="utf-8"?>
-<p:properties xmlns:p="http://schemas.microsoft.com/office/2006/metadata/properties" xmlns:xsi="http://www.w3.org/2001/XMLSchema-instance" xmlns:pc="http://schemas.microsoft.com/office/infopath/2007/PartnerControls">
-  <documentManagement>
-    <n472ea6ee43248479fb8bd9165cf026a xmlns="b85a9d60-6535-41ad-bf5c-23a8b594cd63">
-      <Terms xmlns="http://schemas.microsoft.com/office/infopath/2007/PartnerControls">
-        <TermInfo xmlns="http://schemas.microsoft.com/office/infopath/2007/PartnerControls">
-          <TermName xmlns="http://schemas.microsoft.com/office/infopath/2007/PartnerControls">Vorlage</TermName>
-          <TermId xmlns="http://schemas.microsoft.com/office/infopath/2007/PartnerControls">f9f550ab-d043-4f5a-97bd-52764d9a66d8</TermId>
-        </TermInfo>
-      </Terms>
-    </n472ea6ee43248479fb8bd9165cf026a>
-    <_dlc_DocId xmlns="ed5c7061-1de8-4387-89c6-d21a66c01b33">SMMQM-2-392</_dlc_DocId>
-    <_dlc_DocIdUrl xmlns="ed5c7061-1de8-4387-89c6-d21a66c01b33">
-      <Url>https://qm.smart-mechatronics.de/_layouts/15/DocIdRedir.aspx?ID=SMMQM-2-392</Url>
-      <Description>SMMQM-2-392</Description>
-    </_dlc_DocIdUrl>
-    <TaxCatchAll xmlns="ed5c7061-1de8-4387-89c6-d21a66c01b33">
-      <Value>1</Value>
-    </TaxCatchAll>
-    <l228be0177a34db3828e80e3fa65188a xmlns="b85a9d60-6535-41ad-bf5c-23a8b594cd63">
-      <Terms xmlns="http://schemas.microsoft.com/office/infopath/2007/PartnerControls"/>
-    </l228be0177a34db3828e80e3fa65188a>
-    <TaxKeywordTaxHTField xmlns="ed5c7061-1de8-4387-89c6-d21a66c01b33">
-      <Terms xmlns="http://schemas.microsoft.com/office/infopath/2007/PartnerControls"/>
-    </TaxKeywordTaxHTField>
-    <baca3e887ca7480a9d7450c9bf4a3684 xmlns="b85a9d60-6535-41ad-bf5c-23a8b594cd63">
-      <Terms xmlns="http://schemas.microsoft.com/office/infopath/2007/PartnerControls"/>
-    </baca3e887ca7480a9d7450c9bf4a3684>
-  </documentManagement>
-</p:properties>
+<?mso-contentType ?>
+<customXsn xmlns="http://schemas.microsoft.com/office/2006/metadata/customXsn">
+  <xsnLocation/>
+  <cached>True</cached>
+  <openByDefault>True</openByDefault>
+  <xsnScope/>
+</customXsn>
 </file>
 
 <file path=customXml/item2.xml><?xml version="1.0" encoding="utf-8"?>
+<?mso-contentType ?>
+<spe:Receivers xmlns:spe="http://schemas.microsoft.com/sharepoint/events">
+  <Receiver>
+    <Name>Document ID Generator</Name>
+    <Synchronization>Synchronous</Synchronization>
+    <Type>10001</Type>
+    <SequenceNumber>1000</SequenceNumber>
+    <Url/>
+    <Assembly>Microsoft.Office.DocumentManagement, Version=15.0.0.0, Culture=neutral, PublicKeyToken=71e9bce111e9429c</Assembly>
+    <Class>Microsoft.Office.DocumentManagement.Internal.DocIdHandler</Class>
+    <Data/>
+    <Filter/>
+  </Receiver>
+  <Receiver>
+    <Name>Document ID Generator</Name>
+    <Synchronization>Synchronous</Synchronization>
+    <Type>10002</Type>
+    <SequenceNumber>1001</SequenceNumber>
+    <Url/>
+    <Assembly>Microsoft.Office.DocumentManagement, Version=15.0.0.0, Culture=neutral, PublicKeyToken=71e9bce111e9429c</Assembly>
+    <Class>Microsoft.Office.DocumentManagement.Internal.DocIdHandler</Class>
+    <Data/>
+    <Filter/>
+  </Receiver>
+  <Receiver>
+    <Name>Document ID Generator</Name>
+    <Synchronization>Synchronous</Synchronization>
+    <Type>10004</Type>
+    <SequenceNumber>1002</SequenceNumber>
+    <Url/>
+    <Assembly>Microsoft.Office.DocumentManagement, Version=15.0.0.0, Culture=neutral, PublicKeyToken=71e9bce111e9429c</Assembly>
+    <Class>Microsoft.Office.DocumentManagement.Internal.DocIdHandler</Class>
+    <Data/>
+    <Filter/>
+  </Receiver>
+  <Receiver>
+    <Name>Document ID Generator</Name>
+    <Synchronization>Synchronous</Synchronization>
+    <Type>10006</Type>
+    <SequenceNumber>1003</SequenceNumber>
+    <Url/>
+    <Assembly>Microsoft.Office.DocumentManagement, Version=15.0.0.0, Culture=neutral, PublicKeyToken=71e9bce111e9429c</Assembly>
+    <Class>Microsoft.Office.DocumentManagement.Internal.DocIdHandler</Class>
+    <Data/>
+    <Filter/>
+  </Receiver>
+</spe:Receivers>
+</file>
+
+<file path=customXml/item3.xml><?xml version="1.0" encoding="utf-8"?>
+<?mso-contentType ?>
+<FormTemplates xmlns="http://schemas.microsoft.com/sharepoint/v3/contenttype/forms">
+  <Display>DocumentLibraryForm</Display>
+  <Edit>DocumentLibraryForm</Edit>
+  <New>DocumentLibraryForm</New>
+</FormTemplates>
+</file>
+
+<file path=customXml/item4.xml><?xml version="1.0" encoding="utf-8"?>
 <ct:contentTypeSchema xmlns:ct="http://schemas.microsoft.com/office/2006/metadata/contentType" xmlns:ma="http://schemas.microsoft.com/office/2006/metadata/properties/metaAttributes" ct:_="" ma:_="" ma:contentTypeName="Dokument" ma:contentTypeID="0x010100ABBD9003812289408EA7333BCACF44FC" ma:contentTypeVersion="12" ma:contentTypeDescription="Ein neues Dokument erstellen." ma:contentTypeScope="" ma:versionID="0c5c1046a88a933084f5a8197ebf6a23">
   <xsd:schema xmlns:xsd="http://www.w3.org/2001/XMLSchema" xmlns:xs="http://www.w3.org/2001/XMLSchema" xmlns:p="http://schemas.microsoft.com/office/2006/metadata/properties" xmlns:ns2="b85a9d60-6535-41ad-bf5c-23a8b594cd63" xmlns:ns3="ed5c7061-1de8-4387-89c6-d21a66c01b33" targetNamespace="http://schemas.microsoft.com/office/2006/metadata/properties" ma:root="true" ma:fieldsID="f2895043163c27cc329504fc8636e150" ns2:_="" ns3:_="">
     <xsd:import namespace="b85a9d60-6535-41ad-bf5c-23a8b594cd63"/>
@@ -10434,93 +10925,63 @@
 </ct:contentTypeSchema>
 </file>
 
-<file path=customXml/item3.xml><?xml version="1.0" encoding="utf-8"?>
-<?mso-contentType ?>
-<FormTemplates xmlns="http://schemas.microsoft.com/sharepoint/v3/contenttype/forms">
-  <Display>DocumentLibraryForm</Display>
-  <Edit>DocumentLibraryForm</Edit>
-  <New>DocumentLibraryForm</New>
-</FormTemplates>
-</file>
-
-<file path=customXml/item4.xml><?xml version="1.0" encoding="utf-8"?>
-<?mso-contentType ?>
-<spe:Receivers xmlns:spe="http://schemas.microsoft.com/sharepoint/events">
-  <Receiver>
-    <Name>Document ID Generator</Name>
-    <Synchronization>Synchronous</Synchronization>
-    <Type>10001</Type>
-    <SequenceNumber>1000</SequenceNumber>
-    <Url/>
-    <Assembly>Microsoft.Office.DocumentManagement, Version=15.0.0.0, Culture=neutral, PublicKeyToken=71e9bce111e9429c</Assembly>
-    <Class>Microsoft.Office.DocumentManagement.Internal.DocIdHandler</Class>
-    <Data/>
-    <Filter/>
-  </Receiver>
-  <Receiver>
-    <Name>Document ID Generator</Name>
-    <Synchronization>Synchronous</Synchronization>
-    <Type>10002</Type>
-    <SequenceNumber>1001</SequenceNumber>
-    <Url/>
-    <Assembly>Microsoft.Office.DocumentManagement, Version=15.0.0.0, Culture=neutral, PublicKeyToken=71e9bce111e9429c</Assembly>
-    <Class>Microsoft.Office.DocumentManagement.Internal.DocIdHandler</Class>
-    <Data/>
-    <Filter/>
-  </Receiver>
-  <Receiver>
-    <Name>Document ID Generator</Name>
-    <Synchronization>Synchronous</Synchronization>
-    <Type>10004</Type>
-    <SequenceNumber>1002</SequenceNumber>
-    <Url/>
-    <Assembly>Microsoft.Office.DocumentManagement, Version=15.0.0.0, Culture=neutral, PublicKeyToken=71e9bce111e9429c</Assembly>
-    <Class>Microsoft.Office.DocumentManagement.Internal.DocIdHandler</Class>
-    <Data/>
-    <Filter/>
-  </Receiver>
-  <Receiver>
-    <Name>Document ID Generator</Name>
-    <Synchronization>Synchronous</Synchronization>
-    <Type>10006</Type>
-    <SequenceNumber>1003</SequenceNumber>
-    <Url/>
-    <Assembly>Microsoft.Office.DocumentManagement, Version=15.0.0.0, Culture=neutral, PublicKeyToken=71e9bce111e9429c</Assembly>
-    <Class>Microsoft.Office.DocumentManagement.Internal.DocIdHandler</Class>
-    <Data/>
-    <Filter/>
-  </Receiver>
-</spe:Receivers>
-</file>
-
 <file path=customXml/item5.xml><?xml version="1.0" encoding="utf-8"?>
-<?mso-contentType ?>
-<customXsn xmlns="http://schemas.microsoft.com/office/2006/metadata/customXsn">
-  <xsnLocation/>
-  <cached>True</cached>
-  <openByDefault>True</openByDefault>
-  <xsnScope/>
-</customXsn>
+<p:properties xmlns:p="http://schemas.microsoft.com/office/2006/metadata/properties" xmlns:xsi="http://www.w3.org/2001/XMLSchema-instance" xmlns:pc="http://schemas.microsoft.com/office/infopath/2007/PartnerControls">
+  <documentManagement>
+    <n472ea6ee43248479fb8bd9165cf026a xmlns="b85a9d60-6535-41ad-bf5c-23a8b594cd63">
+      <Terms xmlns="http://schemas.microsoft.com/office/infopath/2007/PartnerControls">
+        <TermInfo xmlns="http://schemas.microsoft.com/office/infopath/2007/PartnerControls">
+          <TermName xmlns="http://schemas.microsoft.com/office/infopath/2007/PartnerControls">Vorlage</TermName>
+          <TermId xmlns="http://schemas.microsoft.com/office/infopath/2007/PartnerControls">f9f550ab-d043-4f5a-97bd-52764d9a66d8</TermId>
+        </TermInfo>
+      </Terms>
+    </n472ea6ee43248479fb8bd9165cf026a>
+    <_dlc_DocId xmlns="ed5c7061-1de8-4387-89c6-d21a66c01b33">SMMQM-2-392</_dlc_DocId>
+    <_dlc_DocIdUrl xmlns="ed5c7061-1de8-4387-89c6-d21a66c01b33">
+      <Url>https://qm.smart-mechatronics.de/_layouts/15/DocIdRedir.aspx?ID=SMMQM-2-392</Url>
+      <Description>SMMQM-2-392</Description>
+    </_dlc_DocIdUrl>
+    <TaxCatchAll xmlns="ed5c7061-1de8-4387-89c6-d21a66c01b33">
+      <Value>1</Value>
+    </TaxCatchAll>
+    <l228be0177a34db3828e80e3fa65188a xmlns="b85a9d60-6535-41ad-bf5c-23a8b594cd63">
+      <Terms xmlns="http://schemas.microsoft.com/office/infopath/2007/PartnerControls"/>
+    </l228be0177a34db3828e80e3fa65188a>
+    <TaxKeywordTaxHTField xmlns="ed5c7061-1de8-4387-89c6-d21a66c01b33">
+      <Terms xmlns="http://schemas.microsoft.com/office/infopath/2007/PartnerControls"/>
+    </TaxKeywordTaxHTField>
+    <baca3e887ca7480a9d7450c9bf4a3684 xmlns="b85a9d60-6535-41ad-bf5c-23a8b594cd63">
+      <Terms xmlns="http://schemas.microsoft.com/office/infopath/2007/PartnerControls"/>
+    </baca3e887ca7480a9d7450c9bf4a3684>
+  </documentManagement>
+</p:properties>
 </file>
 
 <file path=customXml/itemProps1.xml><?xml version="1.0" encoding="utf-8"?>
-<ds:datastoreItem xmlns:ds="http://schemas.openxmlformats.org/officeDocument/2006/customXml" ds:itemID="{29940796-2B28-46D6-A019-405D01B8DF60}">
+<ds:datastoreItem xmlns:ds="http://schemas.openxmlformats.org/officeDocument/2006/customXml" ds:itemID="{783BD3D0-EE3E-4A15-8667-6519756E537D}">
   <ds:schemaRefs>
-    <ds:schemaRef ds:uri="http://purl.org/dc/terms/"/>
-    <ds:schemaRef ds:uri="b85a9d60-6535-41ad-bf5c-23a8b594cd63"/>
-    <ds:schemaRef ds:uri="ed5c7061-1de8-4387-89c6-d21a66c01b33"/>
-    <ds:schemaRef ds:uri="http://schemas.microsoft.com/office/2006/documentManagement/types"/>
-    <ds:schemaRef ds:uri="http://schemas.openxmlformats.org/package/2006/metadata/core-properties"/>
-    <ds:schemaRef ds:uri="http://purl.org/dc/elements/1.1/"/>
-    <ds:schemaRef ds:uri="http://schemas.microsoft.com/office/2006/metadata/properties"/>
-    <ds:schemaRef ds:uri="http://schemas.microsoft.com/office/infopath/2007/PartnerControls"/>
-    <ds:schemaRef ds:uri="http://www.w3.org/XML/1998/namespace"/>
-    <ds:schemaRef ds:uri="http://purl.org/dc/dcmitype/"/>
+    <ds:schemaRef ds:uri="http://schemas.microsoft.com/office/2006/metadata/customXsn"/>
   </ds:schemaRefs>
 </ds:datastoreItem>
 </file>
 
 <file path=customXml/itemProps2.xml><?xml version="1.0" encoding="utf-8"?>
+<ds:datastoreItem xmlns:ds="http://schemas.openxmlformats.org/officeDocument/2006/customXml" ds:itemID="{0783E0A9-D953-4B7B-BC87-E5F4BA76F061}">
+  <ds:schemaRefs>
+    <ds:schemaRef ds:uri="http://schemas.microsoft.com/sharepoint/events"/>
+  </ds:schemaRefs>
+</ds:datastoreItem>
+</file>
+
+<file path=customXml/itemProps3.xml><?xml version="1.0" encoding="utf-8"?>
+<ds:datastoreItem xmlns:ds="http://schemas.openxmlformats.org/officeDocument/2006/customXml" ds:itemID="{933AE78F-1762-4C8A-B000-A5B2FC0C6AC7}">
+  <ds:schemaRefs>
+    <ds:schemaRef ds:uri="http://schemas.microsoft.com/sharepoint/v3/contenttype/forms"/>
+  </ds:schemaRefs>
+</ds:datastoreItem>
+</file>
+
+<file path=customXml/itemProps4.xml><?xml version="1.0" encoding="utf-8"?>
 <ds:datastoreItem xmlns:ds="http://schemas.openxmlformats.org/officeDocument/2006/customXml" ds:itemID="{ECA8B933-44D9-4902-90F1-BC93213D16AC}">
   <ds:schemaRefs>
     <ds:schemaRef ds:uri="http://schemas.microsoft.com/office/2006/metadata/contentType"/>
@@ -10539,26 +11000,19 @@
 </ds:datastoreItem>
 </file>
 
-<file path=customXml/itemProps3.xml><?xml version="1.0" encoding="utf-8"?>
-<ds:datastoreItem xmlns:ds="http://schemas.openxmlformats.org/officeDocument/2006/customXml" ds:itemID="{933AE78F-1762-4C8A-B000-A5B2FC0C6AC7}">
+<file path=customXml/itemProps5.xml><?xml version="1.0" encoding="utf-8"?>
+<ds:datastoreItem xmlns:ds="http://schemas.openxmlformats.org/officeDocument/2006/customXml" ds:itemID="{29940796-2B28-46D6-A019-405D01B8DF60}">
   <ds:schemaRefs>
-    <ds:schemaRef ds:uri="http://schemas.microsoft.com/sharepoint/v3/contenttype/forms"/>
-  </ds:schemaRefs>
-</ds:datastoreItem>
-</file>
-
-<file path=customXml/itemProps4.xml><?xml version="1.0" encoding="utf-8"?>
-<ds:datastoreItem xmlns:ds="http://schemas.openxmlformats.org/officeDocument/2006/customXml" ds:itemID="{0783E0A9-D953-4B7B-BC87-E5F4BA76F061}">
-  <ds:schemaRefs>
-    <ds:schemaRef ds:uri="http://schemas.microsoft.com/sharepoint/events"/>
-  </ds:schemaRefs>
-</ds:datastoreItem>
-</file>
-
-<file path=customXml/itemProps5.xml><?xml version="1.0" encoding="utf-8"?>
-<ds:datastoreItem xmlns:ds="http://schemas.openxmlformats.org/officeDocument/2006/customXml" ds:itemID="{783BD3D0-EE3E-4A15-8667-6519756E537D}">
-  <ds:schemaRefs>
-    <ds:schemaRef ds:uri="http://schemas.microsoft.com/office/2006/metadata/customXsn"/>
+    <ds:schemaRef ds:uri="http://purl.org/dc/terms/"/>
+    <ds:schemaRef ds:uri="b85a9d60-6535-41ad-bf5c-23a8b594cd63"/>
+    <ds:schemaRef ds:uri="ed5c7061-1de8-4387-89c6-d21a66c01b33"/>
+    <ds:schemaRef ds:uri="http://schemas.microsoft.com/office/2006/documentManagement/types"/>
+    <ds:schemaRef ds:uri="http://schemas.openxmlformats.org/package/2006/metadata/core-properties"/>
+    <ds:schemaRef ds:uri="http://purl.org/dc/elements/1.1/"/>
+    <ds:schemaRef ds:uri="http://schemas.microsoft.com/office/2006/metadata/properties"/>
+    <ds:schemaRef ds:uri="http://schemas.microsoft.com/office/infopath/2007/PartnerControls"/>
+    <ds:schemaRef ds:uri="http://www.w3.org/XML/1998/namespace"/>
+    <ds:schemaRef ds:uri="http://purl.org/dc/dcmitype/"/>
   </ds:schemaRefs>
 </ds:datastoreItem>
 </file>